--- a/Meetup03022017/RustIntroduction-FinlandMeetup.pptx
+++ b/Meetup03022017/RustIntroduction-FinlandMeetup.pptx
@@ -13,6 +13,14 @@
     <p:sldId id="260" r:id="rId7"/>
     <p:sldId id="262" r:id="rId8"/>
     <p:sldId id="263" r:id="rId9"/>
+    <p:sldId id="264" r:id="rId10"/>
+    <p:sldId id="265" r:id="rId11"/>
+    <p:sldId id="266" r:id="rId12"/>
+    <p:sldId id="267" r:id="rId13"/>
+    <p:sldId id="268" r:id="rId14"/>
+    <p:sldId id="269" r:id="rId15"/>
+    <p:sldId id="270" r:id="rId16"/>
+    <p:sldId id="271" r:id="rId17"/>
   </p:sldIdLst>
   <p:sldSz cx="12192000" cy="6858000"/>
   <p:notesSz cx="6858000" cy="9144000"/>
@@ -111,6 +119,11 @@
       </a:defRPr>
     </a:lvl9pPr>
   </p:defaultTextStyle>
+  <p:extLst>
+    <p:ext uri="{EFAFB233-063F-42B5-8137-9DF3F51BA10A}">
+      <p15:sldGuideLst xmlns:p15="http://schemas.microsoft.com/office/powerpoint/2012/main"/>
+    </p:ext>
+  </p:extLst>
 </p:presentation>
 </file>
 
@@ -159,7 +172,6 @@
               <a:rPr lang="en-US"/>
               <a:t>Click to edit Master title style</a:t>
             </a:r>
-            <a:endParaRPr lang="en-US"/>
           </a:p>
         </p:txBody>
       </p:sp>
@@ -224,7 +236,6 @@
               <a:rPr lang="en-US"/>
               <a:t>Click to edit Master subtitle style</a:t>
             </a:r>
-            <a:endParaRPr lang="en-US"/>
           </a:p>
         </p:txBody>
       </p:sp>
@@ -245,7 +256,7 @@
           <a:p>
             <a:fld id="{E4D96187-924C-44A2-A7A8-F3B9288F3254}" type="datetimeFigureOut">
               <a:rPr lang="en-US" smtClean="0"/>
-              <a:t>02-Feb-17</a:t>
+              <a:t>2/3/2017</a:t>
             </a:fld>
             <a:endParaRPr lang="en-US"/>
           </a:p>
@@ -342,7 +353,6 @@
               <a:rPr lang="en-US"/>
               <a:t>Click to edit Master title style</a:t>
             </a:r>
-            <a:endParaRPr lang="en-US"/>
           </a:p>
         </p:txBody>
       </p:sp>
@@ -394,7 +404,6 @@
               <a:rPr lang="en-US"/>
               <a:t>Fifth level</a:t>
             </a:r>
-            <a:endParaRPr lang="en-US"/>
           </a:p>
         </p:txBody>
       </p:sp>
@@ -415,7 +424,7 @@
           <a:p>
             <a:fld id="{E4D96187-924C-44A2-A7A8-F3B9288F3254}" type="datetimeFigureOut">
               <a:rPr lang="en-US" smtClean="0"/>
-              <a:t>02-Feb-17</a:t>
+              <a:t>2/3/2017</a:t>
             </a:fld>
             <a:endParaRPr lang="en-US"/>
           </a:p>
@@ -517,7 +526,6 @@
               <a:rPr lang="en-US"/>
               <a:t>Click to edit Master title style</a:t>
             </a:r>
-            <a:endParaRPr lang="en-US"/>
           </a:p>
         </p:txBody>
       </p:sp>
@@ -574,7 +582,6 @@
               <a:rPr lang="en-US"/>
               <a:t>Fifth level</a:t>
             </a:r>
-            <a:endParaRPr lang="en-US"/>
           </a:p>
         </p:txBody>
       </p:sp>
@@ -595,7 +602,7 @@
           <a:p>
             <a:fld id="{E4D96187-924C-44A2-A7A8-F3B9288F3254}" type="datetimeFigureOut">
               <a:rPr lang="en-US" smtClean="0"/>
-              <a:t>02-Feb-17</a:t>
+              <a:t>2/3/2017</a:t>
             </a:fld>
             <a:endParaRPr lang="en-US"/>
           </a:p>
@@ -692,7 +699,6 @@
               <a:rPr lang="en-US"/>
               <a:t>Click to edit Master title style</a:t>
             </a:r>
-            <a:endParaRPr lang="en-US"/>
           </a:p>
         </p:txBody>
       </p:sp>
@@ -744,7 +750,6 @@
               <a:rPr lang="en-US"/>
               <a:t>Fifth level</a:t>
             </a:r>
-            <a:endParaRPr lang="en-US"/>
           </a:p>
         </p:txBody>
       </p:sp>
@@ -765,7 +770,7 @@
           <a:p>
             <a:fld id="{E4D96187-924C-44A2-A7A8-F3B9288F3254}" type="datetimeFigureOut">
               <a:rPr lang="en-US" smtClean="0"/>
-              <a:t>02-Feb-17</a:t>
+              <a:t>2/3/2017</a:t>
             </a:fld>
             <a:endParaRPr lang="en-US"/>
           </a:p>
@@ -871,7 +876,6 @@
               <a:rPr lang="en-US"/>
               <a:t>Click to edit Master title style</a:t>
             </a:r>
-            <a:endParaRPr lang="en-US"/>
           </a:p>
         </p:txBody>
       </p:sp>
@@ -1011,7 +1015,7 @@
           <a:p>
             <a:fld id="{E4D96187-924C-44A2-A7A8-F3B9288F3254}" type="datetimeFigureOut">
               <a:rPr lang="en-US" smtClean="0"/>
-              <a:t>02-Feb-17</a:t>
+              <a:t>2/3/2017</a:t>
             </a:fld>
             <a:endParaRPr lang="en-US"/>
           </a:p>
@@ -1108,7 +1112,6 @@
               <a:rPr lang="en-US"/>
               <a:t>Click to edit Master title style</a:t>
             </a:r>
-            <a:endParaRPr lang="en-US"/>
           </a:p>
         </p:txBody>
       </p:sp>
@@ -1165,7 +1168,6 @@
               <a:rPr lang="en-US"/>
               <a:t>Fifth level</a:t>
             </a:r>
-            <a:endParaRPr lang="en-US"/>
           </a:p>
         </p:txBody>
       </p:sp>
@@ -1222,7 +1224,6 @@
               <a:rPr lang="en-US"/>
               <a:t>Fifth level</a:t>
             </a:r>
-            <a:endParaRPr lang="en-US"/>
           </a:p>
         </p:txBody>
       </p:sp>
@@ -1243,7 +1244,7 @@
           <a:p>
             <a:fld id="{E4D96187-924C-44A2-A7A8-F3B9288F3254}" type="datetimeFigureOut">
               <a:rPr lang="en-US" smtClean="0"/>
-              <a:t>02-Feb-17</a:t>
+              <a:t>2/3/2017</a:t>
             </a:fld>
             <a:endParaRPr lang="en-US"/>
           </a:p>
@@ -1345,7 +1346,6 @@
               <a:rPr lang="en-US"/>
               <a:t>Click to edit Master title style</a:t>
             </a:r>
-            <a:endParaRPr lang="en-US"/>
           </a:p>
         </p:txBody>
       </p:sp>
@@ -1467,7 +1467,6 @@
               <a:rPr lang="en-US"/>
               <a:t>Fifth level</a:t>
             </a:r>
-            <a:endParaRPr lang="en-US"/>
           </a:p>
         </p:txBody>
       </p:sp>
@@ -1589,7 +1588,6 @@
               <a:rPr lang="en-US"/>
               <a:t>Fifth level</a:t>
             </a:r>
-            <a:endParaRPr lang="en-US"/>
           </a:p>
         </p:txBody>
       </p:sp>
@@ -1610,7 +1608,7 @@
           <a:p>
             <a:fld id="{E4D96187-924C-44A2-A7A8-F3B9288F3254}" type="datetimeFigureOut">
               <a:rPr lang="en-US" smtClean="0"/>
-              <a:t>02-Feb-17</a:t>
+              <a:t>2/3/2017</a:t>
             </a:fld>
             <a:endParaRPr lang="en-US"/>
           </a:p>
@@ -1707,7 +1705,6 @@
               <a:rPr lang="en-US"/>
               <a:t>Click to edit Master title style</a:t>
             </a:r>
-            <a:endParaRPr lang="en-US"/>
           </a:p>
         </p:txBody>
       </p:sp>
@@ -1728,7 +1725,7 @@
           <a:p>
             <a:fld id="{E4D96187-924C-44A2-A7A8-F3B9288F3254}" type="datetimeFigureOut">
               <a:rPr lang="en-US" smtClean="0"/>
-              <a:t>02-Feb-17</a:t>
+              <a:t>2/3/2017</a:t>
             </a:fld>
             <a:endParaRPr lang="en-US"/>
           </a:p>
@@ -1823,7 +1820,7 @@
           <a:p>
             <a:fld id="{E4D96187-924C-44A2-A7A8-F3B9288F3254}" type="datetimeFigureOut">
               <a:rPr lang="en-US" smtClean="0"/>
-              <a:t>02-Feb-17</a:t>
+              <a:t>2/3/2017</a:t>
             </a:fld>
             <a:endParaRPr lang="en-US"/>
           </a:p>
@@ -1929,7 +1926,6 @@
               <a:rPr lang="en-US"/>
               <a:t>Click to edit Master title style</a:t>
             </a:r>
-            <a:endParaRPr lang="en-US"/>
           </a:p>
         </p:txBody>
       </p:sp>
@@ -2014,7 +2010,6 @@
               <a:rPr lang="en-US"/>
               <a:t>Fifth level</a:t>
             </a:r>
-            <a:endParaRPr lang="en-US"/>
           </a:p>
         </p:txBody>
       </p:sp>
@@ -2100,7 +2095,7 @@
           <a:p>
             <a:fld id="{E4D96187-924C-44A2-A7A8-F3B9288F3254}" type="datetimeFigureOut">
               <a:rPr lang="en-US" smtClean="0"/>
-              <a:t>02-Feb-17</a:t>
+              <a:t>2/3/2017</a:t>
             </a:fld>
             <a:endParaRPr lang="en-US"/>
           </a:p>
@@ -2206,7 +2201,6 @@
               <a:rPr lang="en-US"/>
               <a:t>Click to edit Master title style</a:t>
             </a:r>
-            <a:endParaRPr lang="en-US"/>
           </a:p>
         </p:txBody>
       </p:sp>
@@ -2353,7 +2347,7 @@
           <a:p>
             <a:fld id="{E4D96187-924C-44A2-A7A8-F3B9288F3254}" type="datetimeFigureOut">
               <a:rPr lang="en-US" smtClean="0"/>
-              <a:t>02-Feb-17</a:t>
+              <a:t>2/3/2017</a:t>
             </a:fld>
             <a:endParaRPr lang="en-US"/>
           </a:p>
@@ -2465,7 +2459,6 @@
               <a:rPr lang="en-US"/>
               <a:t>Click to edit Master title style</a:t>
             </a:r>
-            <a:endParaRPr lang="en-US"/>
           </a:p>
         </p:txBody>
       </p:sp>
@@ -2527,7 +2520,6 @@
               <a:rPr lang="en-US"/>
               <a:t>Fifth level</a:t>
             </a:r>
-            <a:endParaRPr lang="en-US"/>
           </a:p>
         </p:txBody>
       </p:sp>
@@ -2566,7 +2558,7 @@
           <a:p>
             <a:fld id="{E4D96187-924C-44A2-A7A8-F3B9288F3254}" type="datetimeFigureOut">
               <a:rPr lang="en-US" smtClean="0"/>
-              <a:t>02-Feb-17</a:t>
+              <a:t>2/3/2017</a:t>
             </a:fld>
             <a:endParaRPr lang="en-US"/>
           </a:p>
@@ -3052,10 +3044,647 @@
           </a:xfrm>
         </p:spPr>
       </p:pic>
+      <p:sp>
+        <p:nvSpPr>
+          <p:cNvPr id="3" name="TextBox 2"/>
+          <p:cNvSpPr txBox="1"/>
+          <p:nvPr/>
+        </p:nvSpPr>
+        <p:spPr>
+          <a:xfrm>
+            <a:off x="4118919" y="3193985"/>
+            <a:ext cx="3558746" cy="369332"/>
+          </a:xfrm>
+          <a:prstGeom prst="rect">
+            <a:avLst/>
+          </a:prstGeom>
+          <a:noFill/>
+        </p:spPr>
+        <p:txBody>
+          <a:bodyPr wrap="square" rtlCol="0">
+            <a:spAutoFit/>
+          </a:bodyPr>
+          <a:lstStyle/>
+          <a:p>
+            <a:pPr algn="ctr"/>
+            <a:r>
+              <a:rPr lang="en-US" i="1" dirty="0" smtClean="0"/>
+              <a:t>Hack without fear!</a:t>
+            </a:r>
+            <a:endParaRPr lang="en-US" i="1" dirty="0"/>
+          </a:p>
+        </p:txBody>
+      </p:sp>
     </p:spTree>
     <p:extLst>
       <p:ext uri="{BB962C8B-B14F-4D97-AF65-F5344CB8AC3E}">
         <p14:creationId xmlns:p14="http://schemas.microsoft.com/office/powerpoint/2010/main" val="3226591145"/>
+      </p:ext>
+    </p:extLst>
+  </p:cSld>
+  <p:clrMapOvr>
+    <a:masterClrMapping/>
+  </p:clrMapOvr>
+</p:sld>
+</file>
+
+<file path=ppt/slides/slide10.xml><?xml version="1.0" encoding="utf-8"?>
+<p:sld xmlns:a="http://schemas.openxmlformats.org/drawingml/2006/main" xmlns:r="http://schemas.openxmlformats.org/officeDocument/2006/relationships" xmlns:p="http://schemas.openxmlformats.org/presentationml/2006/main">
+  <p:cSld>
+    <p:spTree>
+      <p:nvGrpSpPr>
+        <p:cNvPr id="1" name=""/>
+        <p:cNvGrpSpPr/>
+        <p:nvPr/>
+      </p:nvGrpSpPr>
+      <p:grpSpPr>
+        <a:xfrm>
+          <a:off x="0" y="0"/>
+          <a:ext cx="0" cy="0"/>
+          <a:chOff x="0" y="0"/>
+          <a:chExt cx="0" cy="0"/>
+        </a:xfrm>
+      </p:grpSpPr>
+      <p:pic>
+        <p:nvPicPr>
+          <p:cNvPr id="4" name="Picture 3"/>
+          <p:cNvPicPr>
+            <a:picLocks noChangeAspect="1"/>
+          </p:cNvPicPr>
+          <p:nvPr/>
+        </p:nvPicPr>
+        <p:blipFill>
+          <a:blip r:embed="rId2"/>
+          <a:stretch>
+            <a:fillRect/>
+          </a:stretch>
+        </p:blipFill>
+        <p:spPr>
+          <a:xfrm>
+            <a:off x="2367912" y="1451943"/>
+            <a:ext cx="6961905" cy="4514286"/>
+          </a:xfrm>
+          <a:prstGeom prst="rect">
+            <a:avLst/>
+          </a:prstGeom>
+        </p:spPr>
+      </p:pic>
+      <p:sp>
+        <p:nvSpPr>
+          <p:cNvPr id="5" name="TextBox 4"/>
+          <p:cNvSpPr txBox="1"/>
+          <p:nvPr/>
+        </p:nvSpPr>
+        <p:spPr>
+          <a:xfrm>
+            <a:off x="10107827" y="6559658"/>
+            <a:ext cx="2026508" cy="215444"/>
+          </a:xfrm>
+          <a:prstGeom prst="rect">
+            <a:avLst/>
+          </a:prstGeom>
+          <a:noFill/>
+        </p:spPr>
+        <p:txBody>
+          <a:bodyPr wrap="square" rtlCol="0">
+            <a:spAutoFit/>
+          </a:bodyPr>
+          <a:lstStyle/>
+          <a:p>
+            <a:r>
+              <a:rPr lang="en-US" sz="800" i="1" dirty="0" smtClean="0"/>
+              <a:t>Image Borrowed from Nicholas </a:t>
+            </a:r>
+            <a:r>
+              <a:rPr lang="en-US" sz="800" i="1" dirty="0" err="1" smtClean="0"/>
+              <a:t>Matsakis</a:t>
+            </a:r>
+            <a:endParaRPr lang="en-US" sz="800" i="1" dirty="0"/>
+          </a:p>
+        </p:txBody>
+      </p:sp>
+    </p:spTree>
+    <p:extLst>
+      <p:ext uri="{BB962C8B-B14F-4D97-AF65-F5344CB8AC3E}">
+        <p14:creationId xmlns:p14="http://schemas.microsoft.com/office/powerpoint/2010/main" val="2294711085"/>
+      </p:ext>
+    </p:extLst>
+  </p:cSld>
+  <p:clrMapOvr>
+    <a:masterClrMapping/>
+  </p:clrMapOvr>
+</p:sld>
+</file>
+
+<file path=ppt/slides/slide11.xml><?xml version="1.0" encoding="utf-8"?>
+<p:sld xmlns:a="http://schemas.openxmlformats.org/drawingml/2006/main" xmlns:r="http://schemas.openxmlformats.org/officeDocument/2006/relationships" xmlns:p="http://schemas.openxmlformats.org/presentationml/2006/main">
+  <p:cSld>
+    <p:spTree>
+      <p:nvGrpSpPr>
+        <p:cNvPr id="1" name=""/>
+        <p:cNvGrpSpPr/>
+        <p:nvPr/>
+      </p:nvGrpSpPr>
+      <p:grpSpPr>
+        <a:xfrm>
+          <a:off x="0" y="0"/>
+          <a:ext cx="0" cy="0"/>
+          <a:chOff x="0" y="0"/>
+          <a:chExt cx="0" cy="0"/>
+        </a:xfrm>
+      </p:grpSpPr>
+      <p:pic>
+        <p:nvPicPr>
+          <p:cNvPr id="4" name="Picture 3"/>
+          <p:cNvPicPr>
+            <a:picLocks noChangeAspect="1"/>
+          </p:cNvPicPr>
+          <p:nvPr/>
+        </p:nvPicPr>
+        <p:blipFill>
+          <a:blip r:embed="rId2"/>
+          <a:stretch>
+            <a:fillRect/>
+          </a:stretch>
+        </p:blipFill>
+        <p:spPr>
+          <a:xfrm>
+            <a:off x="2351819" y="899384"/>
+            <a:ext cx="6895238" cy="4828571"/>
+          </a:xfrm>
+          <a:prstGeom prst="rect">
+            <a:avLst/>
+          </a:prstGeom>
+        </p:spPr>
+      </p:pic>
+      <p:sp>
+        <p:nvSpPr>
+          <p:cNvPr id="5" name="TextBox 4"/>
+          <p:cNvSpPr txBox="1"/>
+          <p:nvPr/>
+        </p:nvSpPr>
+        <p:spPr>
+          <a:xfrm>
+            <a:off x="10107827" y="6559658"/>
+            <a:ext cx="2026508" cy="215444"/>
+          </a:xfrm>
+          <a:prstGeom prst="rect">
+            <a:avLst/>
+          </a:prstGeom>
+          <a:noFill/>
+        </p:spPr>
+        <p:txBody>
+          <a:bodyPr wrap="square" rtlCol="0">
+            <a:spAutoFit/>
+          </a:bodyPr>
+          <a:lstStyle/>
+          <a:p>
+            <a:r>
+              <a:rPr lang="en-US" sz="800" i="1" dirty="0" smtClean="0"/>
+              <a:t>Image Borrowed from Nicholas </a:t>
+            </a:r>
+            <a:r>
+              <a:rPr lang="en-US" sz="800" i="1" dirty="0" err="1" smtClean="0"/>
+              <a:t>Matsakis</a:t>
+            </a:r>
+            <a:endParaRPr lang="en-US" sz="800" i="1" dirty="0"/>
+          </a:p>
+        </p:txBody>
+      </p:sp>
+    </p:spTree>
+    <p:extLst>
+      <p:ext uri="{BB962C8B-B14F-4D97-AF65-F5344CB8AC3E}">
+        <p14:creationId xmlns:p14="http://schemas.microsoft.com/office/powerpoint/2010/main" val="3449275779"/>
+      </p:ext>
+    </p:extLst>
+  </p:cSld>
+  <p:clrMapOvr>
+    <a:masterClrMapping/>
+  </p:clrMapOvr>
+</p:sld>
+</file>
+
+<file path=ppt/slides/slide12.xml><?xml version="1.0" encoding="utf-8"?>
+<p:sld xmlns:a="http://schemas.openxmlformats.org/drawingml/2006/main" xmlns:r="http://schemas.openxmlformats.org/officeDocument/2006/relationships" xmlns:p="http://schemas.openxmlformats.org/presentationml/2006/main">
+  <p:cSld>
+    <p:spTree>
+      <p:nvGrpSpPr>
+        <p:cNvPr id="1" name=""/>
+        <p:cNvGrpSpPr/>
+        <p:nvPr/>
+      </p:nvGrpSpPr>
+      <p:grpSpPr>
+        <a:xfrm>
+          <a:off x="0" y="0"/>
+          <a:ext cx="0" cy="0"/>
+          <a:chOff x="0" y="0"/>
+          <a:chExt cx="0" cy="0"/>
+        </a:xfrm>
+      </p:grpSpPr>
+      <p:pic>
+        <p:nvPicPr>
+          <p:cNvPr id="4" name="Picture 3"/>
+          <p:cNvPicPr>
+            <a:picLocks noChangeAspect="1"/>
+          </p:cNvPicPr>
+          <p:nvPr/>
+        </p:nvPicPr>
+        <p:blipFill>
+          <a:blip r:embed="rId2"/>
+          <a:stretch>
+            <a:fillRect/>
+          </a:stretch>
+        </p:blipFill>
+        <p:spPr>
+          <a:xfrm>
+            <a:off x="2552582" y="1060805"/>
+            <a:ext cx="6361905" cy="5000000"/>
+          </a:xfrm>
+          <a:prstGeom prst="rect">
+            <a:avLst/>
+          </a:prstGeom>
+        </p:spPr>
+      </p:pic>
+      <p:sp>
+        <p:nvSpPr>
+          <p:cNvPr id="5" name="TextBox 4"/>
+          <p:cNvSpPr txBox="1"/>
+          <p:nvPr/>
+        </p:nvSpPr>
+        <p:spPr>
+          <a:xfrm>
+            <a:off x="10107827" y="6559658"/>
+            <a:ext cx="2026508" cy="215444"/>
+          </a:xfrm>
+          <a:prstGeom prst="rect">
+            <a:avLst/>
+          </a:prstGeom>
+          <a:noFill/>
+        </p:spPr>
+        <p:txBody>
+          <a:bodyPr wrap="square" rtlCol="0">
+            <a:spAutoFit/>
+          </a:bodyPr>
+          <a:lstStyle/>
+          <a:p>
+            <a:r>
+              <a:rPr lang="en-US" sz="800" i="1" dirty="0" smtClean="0"/>
+              <a:t>Image Borrowed from Nicholas </a:t>
+            </a:r>
+            <a:r>
+              <a:rPr lang="en-US" sz="800" i="1" dirty="0" err="1" smtClean="0"/>
+              <a:t>Matsakis</a:t>
+            </a:r>
+            <a:endParaRPr lang="en-US" sz="800" i="1" dirty="0"/>
+          </a:p>
+        </p:txBody>
+      </p:sp>
+    </p:spTree>
+    <p:extLst>
+      <p:ext uri="{BB962C8B-B14F-4D97-AF65-F5344CB8AC3E}">
+        <p14:creationId xmlns:p14="http://schemas.microsoft.com/office/powerpoint/2010/main" val="3814260545"/>
+      </p:ext>
+    </p:extLst>
+  </p:cSld>
+  <p:clrMapOvr>
+    <a:masterClrMapping/>
+  </p:clrMapOvr>
+</p:sld>
+</file>
+
+<file path=ppt/slides/slide13.xml><?xml version="1.0" encoding="utf-8"?>
+<p:sld xmlns:a="http://schemas.openxmlformats.org/drawingml/2006/main" xmlns:r="http://schemas.openxmlformats.org/officeDocument/2006/relationships" xmlns:p="http://schemas.openxmlformats.org/presentationml/2006/main">
+  <p:cSld>
+    <p:spTree>
+      <p:nvGrpSpPr>
+        <p:cNvPr id="1" name=""/>
+        <p:cNvGrpSpPr/>
+        <p:nvPr/>
+      </p:nvGrpSpPr>
+      <p:grpSpPr>
+        <a:xfrm>
+          <a:off x="0" y="0"/>
+          <a:ext cx="0" cy="0"/>
+          <a:chOff x="0" y="0"/>
+          <a:chExt cx="0" cy="0"/>
+        </a:xfrm>
+      </p:grpSpPr>
+      <p:pic>
+        <p:nvPicPr>
+          <p:cNvPr id="4" name="Picture 3"/>
+          <p:cNvPicPr>
+            <a:picLocks noChangeAspect="1"/>
+          </p:cNvPicPr>
+          <p:nvPr/>
+        </p:nvPicPr>
+        <p:blipFill>
+          <a:blip r:embed="rId2"/>
+          <a:stretch>
+            <a:fillRect/>
+          </a:stretch>
+        </p:blipFill>
+        <p:spPr>
+          <a:xfrm>
+            <a:off x="2723107" y="1161952"/>
+            <a:ext cx="5971429" cy="4600000"/>
+          </a:xfrm>
+          <a:prstGeom prst="rect">
+            <a:avLst/>
+          </a:prstGeom>
+        </p:spPr>
+      </p:pic>
+      <p:sp>
+        <p:nvSpPr>
+          <p:cNvPr id="5" name="TextBox 4"/>
+          <p:cNvSpPr txBox="1"/>
+          <p:nvPr/>
+        </p:nvSpPr>
+        <p:spPr>
+          <a:xfrm>
+            <a:off x="10107827" y="6559658"/>
+            <a:ext cx="2026508" cy="215444"/>
+          </a:xfrm>
+          <a:prstGeom prst="rect">
+            <a:avLst/>
+          </a:prstGeom>
+          <a:noFill/>
+        </p:spPr>
+        <p:txBody>
+          <a:bodyPr wrap="square" rtlCol="0">
+            <a:spAutoFit/>
+          </a:bodyPr>
+          <a:lstStyle/>
+          <a:p>
+            <a:r>
+              <a:rPr lang="en-US" sz="800" i="1" dirty="0" smtClean="0"/>
+              <a:t>Image Borrowed from Nicholas </a:t>
+            </a:r>
+            <a:r>
+              <a:rPr lang="en-US" sz="800" i="1" dirty="0" err="1" smtClean="0"/>
+              <a:t>Matsakis</a:t>
+            </a:r>
+            <a:endParaRPr lang="en-US" sz="800" i="1" dirty="0"/>
+          </a:p>
+        </p:txBody>
+      </p:sp>
+    </p:spTree>
+    <p:extLst>
+      <p:ext uri="{BB962C8B-B14F-4D97-AF65-F5344CB8AC3E}">
+        <p14:creationId xmlns:p14="http://schemas.microsoft.com/office/powerpoint/2010/main" val="2603545253"/>
+      </p:ext>
+    </p:extLst>
+  </p:cSld>
+  <p:clrMapOvr>
+    <a:masterClrMapping/>
+  </p:clrMapOvr>
+</p:sld>
+</file>
+
+<file path=ppt/slides/slide14.xml><?xml version="1.0" encoding="utf-8"?>
+<p:sld xmlns:a="http://schemas.openxmlformats.org/drawingml/2006/main" xmlns:r="http://schemas.openxmlformats.org/officeDocument/2006/relationships" xmlns:p="http://schemas.openxmlformats.org/presentationml/2006/main">
+  <p:cSld>
+    <p:spTree>
+      <p:nvGrpSpPr>
+        <p:cNvPr id="1" name=""/>
+        <p:cNvGrpSpPr/>
+        <p:nvPr/>
+      </p:nvGrpSpPr>
+      <p:grpSpPr>
+        <a:xfrm>
+          <a:off x="0" y="0"/>
+          <a:ext cx="0" cy="0"/>
+          <a:chOff x="0" y="0"/>
+          <a:chExt cx="0" cy="0"/>
+        </a:xfrm>
+      </p:grpSpPr>
+      <p:pic>
+        <p:nvPicPr>
+          <p:cNvPr id="4" name="Picture 3"/>
+          <p:cNvPicPr>
+            <a:picLocks noChangeAspect="1"/>
+          </p:cNvPicPr>
+          <p:nvPr/>
+        </p:nvPicPr>
+        <p:blipFill>
+          <a:blip r:embed="rId2"/>
+          <a:stretch>
+            <a:fillRect/>
+          </a:stretch>
+        </p:blipFill>
+        <p:spPr>
+          <a:xfrm>
+            <a:off x="2752722" y="1102236"/>
+            <a:ext cx="6142857" cy="4752381"/>
+          </a:xfrm>
+          <a:prstGeom prst="rect">
+            <a:avLst/>
+          </a:prstGeom>
+        </p:spPr>
+      </p:pic>
+      <p:sp>
+        <p:nvSpPr>
+          <p:cNvPr id="5" name="TextBox 4"/>
+          <p:cNvSpPr txBox="1"/>
+          <p:nvPr/>
+        </p:nvSpPr>
+        <p:spPr>
+          <a:xfrm>
+            <a:off x="10107827" y="6559658"/>
+            <a:ext cx="2026508" cy="215444"/>
+          </a:xfrm>
+          <a:prstGeom prst="rect">
+            <a:avLst/>
+          </a:prstGeom>
+          <a:noFill/>
+        </p:spPr>
+        <p:txBody>
+          <a:bodyPr wrap="square" rtlCol="0">
+            <a:spAutoFit/>
+          </a:bodyPr>
+          <a:lstStyle/>
+          <a:p>
+            <a:r>
+              <a:rPr lang="en-US" sz="800" i="1" dirty="0" smtClean="0"/>
+              <a:t>Image Borrowed from Nicholas </a:t>
+            </a:r>
+            <a:r>
+              <a:rPr lang="en-US" sz="800" i="1" dirty="0" err="1" smtClean="0"/>
+              <a:t>Matsakis</a:t>
+            </a:r>
+            <a:endParaRPr lang="en-US" sz="800" i="1" dirty="0"/>
+          </a:p>
+        </p:txBody>
+      </p:sp>
+    </p:spTree>
+    <p:extLst>
+      <p:ext uri="{BB962C8B-B14F-4D97-AF65-F5344CB8AC3E}">
+        <p14:creationId xmlns:p14="http://schemas.microsoft.com/office/powerpoint/2010/main" val="3646206081"/>
+      </p:ext>
+    </p:extLst>
+  </p:cSld>
+  <p:clrMapOvr>
+    <a:masterClrMapping/>
+  </p:clrMapOvr>
+</p:sld>
+</file>
+
+<file path=ppt/slides/slide15.xml><?xml version="1.0" encoding="utf-8"?>
+<p:sld xmlns:a="http://schemas.openxmlformats.org/drawingml/2006/main" xmlns:r="http://schemas.openxmlformats.org/officeDocument/2006/relationships" xmlns:p="http://schemas.openxmlformats.org/presentationml/2006/main">
+  <p:cSld>
+    <p:spTree>
+      <p:nvGrpSpPr>
+        <p:cNvPr id="1" name=""/>
+        <p:cNvGrpSpPr/>
+        <p:nvPr/>
+      </p:nvGrpSpPr>
+      <p:grpSpPr>
+        <a:xfrm>
+          <a:off x="0" y="0"/>
+          <a:ext cx="0" cy="0"/>
+          <a:chOff x="0" y="0"/>
+          <a:chExt cx="0" cy="0"/>
+        </a:xfrm>
+      </p:grpSpPr>
+      <p:sp>
+        <p:nvSpPr>
+          <p:cNvPr id="2" name="Title 1"/>
+          <p:cNvSpPr>
+            <a:spLocks noGrp="1"/>
+          </p:cNvSpPr>
+          <p:nvPr>
+            <p:ph type="title"/>
+          </p:nvPr>
+        </p:nvSpPr>
+        <p:spPr/>
+        <p:txBody>
+          <a:bodyPr/>
+          <a:lstStyle/>
+          <a:p>
+            <a:r>
+              <a:rPr lang="en-US" dirty="0" smtClean="0"/>
+              <a:t>Test suite</a:t>
+            </a:r>
+            <a:endParaRPr lang="en-US" dirty="0"/>
+          </a:p>
+        </p:txBody>
+      </p:sp>
+      <p:sp>
+        <p:nvSpPr>
+          <p:cNvPr id="3" name="Content Placeholder 2"/>
+          <p:cNvSpPr>
+            <a:spLocks noGrp="1"/>
+          </p:cNvSpPr>
+          <p:nvPr>
+            <p:ph idx="1"/>
+          </p:nvPr>
+        </p:nvSpPr>
+        <p:spPr/>
+        <p:txBody>
+          <a:bodyPr/>
+          <a:lstStyle/>
+          <a:p>
+            <a:r>
+              <a:rPr lang="en-US" dirty="0" smtClean="0"/>
+              <a:t>Demo</a:t>
+            </a:r>
+            <a:endParaRPr lang="en-US" dirty="0"/>
+          </a:p>
+        </p:txBody>
+      </p:sp>
+    </p:spTree>
+    <p:extLst>
+      <p:ext uri="{BB962C8B-B14F-4D97-AF65-F5344CB8AC3E}">
+        <p14:creationId xmlns:p14="http://schemas.microsoft.com/office/powerpoint/2010/main" val="4223348703"/>
+      </p:ext>
+    </p:extLst>
+  </p:cSld>
+  <p:clrMapOvr>
+    <a:masterClrMapping/>
+  </p:clrMapOvr>
+</p:sld>
+</file>
+
+<file path=ppt/slides/slide16.xml><?xml version="1.0" encoding="utf-8"?>
+<p:sld xmlns:a="http://schemas.openxmlformats.org/drawingml/2006/main" xmlns:r="http://schemas.openxmlformats.org/officeDocument/2006/relationships" xmlns:p="http://schemas.openxmlformats.org/presentationml/2006/main">
+  <p:cSld>
+    <p:spTree>
+      <p:nvGrpSpPr>
+        <p:cNvPr id="1" name=""/>
+        <p:cNvGrpSpPr/>
+        <p:nvPr/>
+      </p:nvGrpSpPr>
+      <p:grpSpPr>
+        <a:xfrm>
+          <a:off x="0" y="0"/>
+          <a:ext cx="0" cy="0"/>
+          <a:chOff x="0" y="0"/>
+          <a:chExt cx="0" cy="0"/>
+        </a:xfrm>
+      </p:grpSpPr>
+      <p:sp>
+        <p:nvSpPr>
+          <p:cNvPr id="2" name="Title 1"/>
+          <p:cNvSpPr>
+            <a:spLocks noGrp="1"/>
+          </p:cNvSpPr>
+          <p:nvPr>
+            <p:ph type="title"/>
+          </p:nvPr>
+        </p:nvSpPr>
+        <p:spPr>
+          <a:xfrm>
+            <a:off x="838200" y="2111547"/>
+            <a:ext cx="10515600" cy="1325563"/>
+          </a:xfrm>
+        </p:spPr>
+        <p:txBody>
+          <a:bodyPr/>
+          <a:lstStyle/>
+          <a:p>
+            <a:pPr algn="ctr"/>
+            <a:r>
+              <a:rPr lang="en-US" dirty="0" smtClean="0"/>
+              <a:t>That’s all folks</a:t>
+            </a:r>
+            <a:endParaRPr lang="en-US" dirty="0"/>
+          </a:p>
+        </p:txBody>
+      </p:sp>
+      <p:sp>
+        <p:nvSpPr>
+          <p:cNvPr id="3" name="Content Placeholder 2"/>
+          <p:cNvSpPr>
+            <a:spLocks noGrp="1"/>
+          </p:cNvSpPr>
+          <p:nvPr>
+            <p:ph idx="1"/>
+          </p:nvPr>
+        </p:nvSpPr>
+        <p:spPr>
+          <a:xfrm>
+            <a:off x="838200" y="3786231"/>
+            <a:ext cx="10515600" cy="4351338"/>
+          </a:xfrm>
+        </p:spPr>
+        <p:txBody>
+          <a:bodyPr/>
+          <a:lstStyle/>
+          <a:p>
+            <a:pPr marL="0" indent="0" algn="ctr">
+              <a:buNone/>
+            </a:pPr>
+            <a:r>
+              <a:rPr lang="en-US" dirty="0" smtClean="0"/>
+              <a:t>Thank you</a:t>
+            </a:r>
+            <a:endParaRPr lang="en-US" dirty="0"/>
+          </a:p>
+        </p:txBody>
+      </p:sp>
+    </p:spTree>
+    <p:extLst>
+      <p:ext uri="{BB962C8B-B14F-4D97-AF65-F5344CB8AC3E}">
+        <p14:creationId xmlns:p14="http://schemas.microsoft.com/office/powerpoint/2010/main" val="1336904733"/>
       </p:ext>
     </p:extLst>
   </p:cSld>
@@ -3211,10 +3840,30 @@
           </a:p>
           <a:p>
             <a:r>
+              <a:rPr lang="en-US" dirty="0" smtClean="0">
+                <a:sym typeface="Wingdings" panose="05000000000000000000" pitchFamily="2" charset="2"/>
+              </a:rPr>
+              <a:t>And its </a:t>
+            </a:r>
+            <a:r>
               <a:rPr lang="en-US" dirty="0">
                 <a:sym typeface="Wingdings" panose="05000000000000000000" pitchFamily="2" charset="2"/>
               </a:rPr>
-              <a:t>Its not about saying that Rust is the best programming language.</a:t>
+              <a:t>not about saying that Rust is the best programming language</a:t>
+            </a:r>
+            <a:r>
+              <a:rPr lang="en-US" dirty="0" smtClean="0">
+                <a:sym typeface="Wingdings" panose="05000000000000000000" pitchFamily="2" charset="2"/>
+              </a:rPr>
+              <a:t>.</a:t>
+            </a:r>
+          </a:p>
+          <a:p>
+            <a:r>
+              <a:rPr lang="en-US" dirty="0" smtClean="0">
+                <a:sym typeface="Wingdings" panose="05000000000000000000" pitchFamily="2" charset="2"/>
+              </a:rPr>
+              <a:t>I am not a native code programmer.</a:t>
             </a:r>
             <a:endParaRPr lang="en-US" dirty="0"/>
           </a:p>
@@ -3748,9 +4397,10 @@
           <a:lstStyle/>
           <a:p>
             <a:r>
-              <a:rPr lang="en-US" dirty="0"/>
-              <a:t>Variable binding</a:t>
-            </a:r>
+              <a:rPr lang="en-US" dirty="0" smtClean="0"/>
+              <a:t>DEMO</a:t>
+            </a:r>
+            <a:endParaRPr lang="en-US" dirty="0"/>
           </a:p>
         </p:txBody>
       </p:sp>
@@ -3758,6 +4408,117 @@
     <p:extLst>
       <p:ext uri="{BB962C8B-B14F-4D97-AF65-F5344CB8AC3E}">
         <p14:creationId xmlns:p14="http://schemas.microsoft.com/office/powerpoint/2010/main" val="4065020299"/>
+      </p:ext>
+    </p:extLst>
+  </p:cSld>
+  <p:clrMapOvr>
+    <a:masterClrMapping/>
+  </p:clrMapOvr>
+</p:sld>
+</file>
+
+<file path=ppt/slides/slide9.xml><?xml version="1.0" encoding="utf-8"?>
+<p:sld xmlns:a="http://schemas.openxmlformats.org/drawingml/2006/main" xmlns:r="http://schemas.openxmlformats.org/officeDocument/2006/relationships" xmlns:p="http://schemas.openxmlformats.org/presentationml/2006/main">
+  <p:cSld>
+    <p:spTree>
+      <p:nvGrpSpPr>
+        <p:cNvPr id="1" name=""/>
+        <p:cNvGrpSpPr/>
+        <p:nvPr/>
+      </p:nvGrpSpPr>
+      <p:grpSpPr>
+        <a:xfrm>
+          <a:off x="0" y="0"/>
+          <a:ext cx="0" cy="0"/>
+          <a:chOff x="0" y="0"/>
+          <a:chExt cx="0" cy="0"/>
+        </a:xfrm>
+      </p:grpSpPr>
+      <p:sp>
+        <p:nvSpPr>
+          <p:cNvPr id="2" name="Title 1"/>
+          <p:cNvSpPr>
+            <a:spLocks noGrp="1"/>
+          </p:cNvSpPr>
+          <p:nvPr>
+            <p:ph type="title"/>
+          </p:nvPr>
+        </p:nvSpPr>
+        <p:spPr/>
+        <p:txBody>
+          <a:bodyPr/>
+          <a:lstStyle/>
+          <a:p>
+            <a:r>
+              <a:rPr lang="en-US" dirty="0" smtClean="0"/>
+              <a:t>Ownership and Borrowing</a:t>
+            </a:r>
+            <a:endParaRPr lang="en-US" dirty="0"/>
+          </a:p>
+        </p:txBody>
+      </p:sp>
+      <p:pic>
+        <p:nvPicPr>
+          <p:cNvPr id="4" name="Picture 3"/>
+          <p:cNvPicPr>
+            <a:picLocks noChangeAspect="1"/>
+          </p:cNvPicPr>
+          <p:nvPr/>
+        </p:nvPicPr>
+        <p:blipFill>
+          <a:blip r:embed="rId2"/>
+          <a:stretch>
+            <a:fillRect/>
+          </a:stretch>
+        </p:blipFill>
+        <p:spPr>
+          <a:xfrm>
+            <a:off x="3148203" y="1854030"/>
+            <a:ext cx="5104762" cy="4171429"/>
+          </a:xfrm>
+          <a:prstGeom prst="rect">
+            <a:avLst/>
+          </a:prstGeom>
+        </p:spPr>
+      </p:pic>
+      <p:sp>
+        <p:nvSpPr>
+          <p:cNvPr id="5" name="TextBox 4"/>
+          <p:cNvSpPr txBox="1"/>
+          <p:nvPr/>
+        </p:nvSpPr>
+        <p:spPr>
+          <a:xfrm>
+            <a:off x="10107827" y="6559658"/>
+            <a:ext cx="2026508" cy="215444"/>
+          </a:xfrm>
+          <a:prstGeom prst="rect">
+            <a:avLst/>
+          </a:prstGeom>
+          <a:noFill/>
+        </p:spPr>
+        <p:txBody>
+          <a:bodyPr wrap="square" rtlCol="0">
+            <a:spAutoFit/>
+          </a:bodyPr>
+          <a:lstStyle/>
+          <a:p>
+            <a:r>
+              <a:rPr lang="en-US" sz="800" i="1" dirty="0" smtClean="0"/>
+              <a:t>Image Borrowed from Nicholas </a:t>
+            </a:r>
+            <a:r>
+              <a:rPr lang="en-US" sz="800" i="1" dirty="0" err="1" smtClean="0"/>
+              <a:t>Matsakis</a:t>
+            </a:r>
+            <a:endParaRPr lang="en-US" sz="800" i="1" dirty="0"/>
+          </a:p>
+        </p:txBody>
+      </p:sp>
+    </p:spTree>
+    <p:extLst>
+      <p:ext uri="{BB962C8B-B14F-4D97-AF65-F5344CB8AC3E}">
+        <p14:creationId xmlns:p14="http://schemas.microsoft.com/office/powerpoint/2010/main" val="1391294445"/>
       </p:ext>
     </p:extLst>
   </p:cSld>

--- a/Meetup03022017/RustIntroduction-FinlandMeetup.pptx
+++ b/Meetup03022017/RustIntroduction-FinlandMeetup.pptx
@@ -256,7 +256,7 @@
           <a:p>
             <a:fld id="{E4D96187-924C-44A2-A7A8-F3B9288F3254}" type="datetimeFigureOut">
               <a:rPr lang="en-US" smtClean="0"/>
-              <a:t>2/3/2017</a:t>
+              <a:t>03-Feb-17</a:t>
             </a:fld>
             <a:endParaRPr lang="en-US"/>
           </a:p>
@@ -424,7 +424,7 @@
           <a:p>
             <a:fld id="{E4D96187-924C-44A2-A7A8-F3B9288F3254}" type="datetimeFigureOut">
               <a:rPr lang="en-US" smtClean="0"/>
-              <a:t>2/3/2017</a:t>
+              <a:t>03-Feb-17</a:t>
             </a:fld>
             <a:endParaRPr lang="en-US"/>
           </a:p>
@@ -602,7 +602,7 @@
           <a:p>
             <a:fld id="{E4D96187-924C-44A2-A7A8-F3B9288F3254}" type="datetimeFigureOut">
               <a:rPr lang="en-US" smtClean="0"/>
-              <a:t>2/3/2017</a:t>
+              <a:t>03-Feb-17</a:t>
             </a:fld>
             <a:endParaRPr lang="en-US"/>
           </a:p>
@@ -770,7 +770,7 @@
           <a:p>
             <a:fld id="{E4D96187-924C-44A2-A7A8-F3B9288F3254}" type="datetimeFigureOut">
               <a:rPr lang="en-US" smtClean="0"/>
-              <a:t>2/3/2017</a:t>
+              <a:t>03-Feb-17</a:t>
             </a:fld>
             <a:endParaRPr lang="en-US"/>
           </a:p>
@@ -1015,7 +1015,7 @@
           <a:p>
             <a:fld id="{E4D96187-924C-44A2-A7A8-F3B9288F3254}" type="datetimeFigureOut">
               <a:rPr lang="en-US" smtClean="0"/>
-              <a:t>2/3/2017</a:t>
+              <a:t>03-Feb-17</a:t>
             </a:fld>
             <a:endParaRPr lang="en-US"/>
           </a:p>
@@ -1244,7 +1244,7 @@
           <a:p>
             <a:fld id="{E4D96187-924C-44A2-A7A8-F3B9288F3254}" type="datetimeFigureOut">
               <a:rPr lang="en-US" smtClean="0"/>
-              <a:t>2/3/2017</a:t>
+              <a:t>03-Feb-17</a:t>
             </a:fld>
             <a:endParaRPr lang="en-US"/>
           </a:p>
@@ -1608,7 +1608,7 @@
           <a:p>
             <a:fld id="{E4D96187-924C-44A2-A7A8-F3B9288F3254}" type="datetimeFigureOut">
               <a:rPr lang="en-US" smtClean="0"/>
-              <a:t>2/3/2017</a:t>
+              <a:t>03-Feb-17</a:t>
             </a:fld>
             <a:endParaRPr lang="en-US"/>
           </a:p>
@@ -1725,7 +1725,7 @@
           <a:p>
             <a:fld id="{E4D96187-924C-44A2-A7A8-F3B9288F3254}" type="datetimeFigureOut">
               <a:rPr lang="en-US" smtClean="0"/>
-              <a:t>2/3/2017</a:t>
+              <a:t>03-Feb-17</a:t>
             </a:fld>
             <a:endParaRPr lang="en-US"/>
           </a:p>
@@ -1820,7 +1820,7 @@
           <a:p>
             <a:fld id="{E4D96187-924C-44A2-A7A8-F3B9288F3254}" type="datetimeFigureOut">
               <a:rPr lang="en-US" smtClean="0"/>
-              <a:t>2/3/2017</a:t>
+              <a:t>03-Feb-17</a:t>
             </a:fld>
             <a:endParaRPr lang="en-US"/>
           </a:p>
@@ -2095,7 +2095,7 @@
           <a:p>
             <a:fld id="{E4D96187-924C-44A2-A7A8-F3B9288F3254}" type="datetimeFigureOut">
               <a:rPr lang="en-US" smtClean="0"/>
-              <a:t>2/3/2017</a:t>
+              <a:t>03-Feb-17</a:t>
             </a:fld>
             <a:endParaRPr lang="en-US"/>
           </a:p>
@@ -2347,7 +2347,7 @@
           <a:p>
             <a:fld id="{E4D96187-924C-44A2-A7A8-F3B9288F3254}" type="datetimeFigureOut">
               <a:rPr lang="en-US" smtClean="0"/>
-              <a:t>2/3/2017</a:t>
+              <a:t>03-Feb-17</a:t>
             </a:fld>
             <a:endParaRPr lang="en-US"/>
           </a:p>
@@ -2558,7 +2558,7 @@
           <a:p>
             <a:fld id="{E4D96187-924C-44A2-A7A8-F3B9288F3254}" type="datetimeFigureOut">
               <a:rPr lang="en-US" smtClean="0"/>
-              <a:t>2/3/2017</a:t>
+              <a:t>03-Feb-17</a:t>
             </a:fld>
             <a:endParaRPr lang="en-US"/>
           </a:p>
@@ -3068,10 +3068,9 @@
           <a:p>
             <a:pPr algn="ctr"/>
             <a:r>
-              <a:rPr lang="en-US" i="1" dirty="0" smtClean="0"/>
+              <a:rPr lang="en-US" i="1" dirty="0"/>
               <a:t>Hack without fear!</a:t>
             </a:r>
-            <a:endParaRPr lang="en-US" i="1" dirty="0"/>
           </a:p>
         </p:txBody>
       </p:sp>
@@ -3152,11 +3151,11 @@
           <a:lstStyle/>
           <a:p>
             <a:r>
-              <a:rPr lang="en-US" sz="800" i="1" dirty="0" smtClean="0"/>
+              <a:rPr lang="en-US" sz="800" i="1" dirty="0"/>
               <a:t>Image Borrowed from Nicholas </a:t>
             </a:r>
             <a:r>
-              <a:rPr lang="en-US" sz="800" i="1" dirty="0" err="1" smtClean="0"/>
+              <a:rPr lang="en-US" sz="800" i="1" dirty="0" err="1"/>
               <a:t>Matsakis</a:t>
             </a:r>
             <a:endParaRPr lang="en-US" sz="800" i="1" dirty="0"/>
@@ -3240,11 +3239,11 @@
           <a:lstStyle/>
           <a:p>
             <a:r>
-              <a:rPr lang="en-US" sz="800" i="1" dirty="0" smtClean="0"/>
+              <a:rPr lang="en-US" sz="800" i="1" dirty="0"/>
               <a:t>Image Borrowed from Nicholas </a:t>
             </a:r>
             <a:r>
-              <a:rPr lang="en-US" sz="800" i="1" dirty="0" err="1" smtClean="0"/>
+              <a:rPr lang="en-US" sz="800" i="1" dirty="0" err="1"/>
               <a:t>Matsakis</a:t>
             </a:r>
             <a:endParaRPr lang="en-US" sz="800" i="1" dirty="0"/>
@@ -3328,11 +3327,11 @@
           <a:lstStyle/>
           <a:p>
             <a:r>
-              <a:rPr lang="en-US" sz="800" i="1" dirty="0" smtClean="0"/>
+              <a:rPr lang="en-US" sz="800" i="1" dirty="0"/>
               <a:t>Image Borrowed from Nicholas </a:t>
             </a:r>
             <a:r>
-              <a:rPr lang="en-US" sz="800" i="1" dirty="0" err="1" smtClean="0"/>
+              <a:rPr lang="en-US" sz="800" i="1" dirty="0" err="1"/>
               <a:t>Matsakis</a:t>
             </a:r>
             <a:endParaRPr lang="en-US" sz="800" i="1" dirty="0"/>
@@ -3416,11 +3415,11 @@
           <a:lstStyle/>
           <a:p>
             <a:r>
-              <a:rPr lang="en-US" sz="800" i="1" dirty="0" smtClean="0"/>
+              <a:rPr lang="en-US" sz="800" i="1" dirty="0"/>
               <a:t>Image Borrowed from Nicholas </a:t>
             </a:r>
             <a:r>
-              <a:rPr lang="en-US" sz="800" i="1" dirty="0" err="1" smtClean="0"/>
+              <a:rPr lang="en-US" sz="800" i="1" dirty="0" err="1"/>
               <a:t>Matsakis</a:t>
             </a:r>
             <a:endParaRPr lang="en-US" sz="800" i="1" dirty="0"/>
@@ -3504,11 +3503,11 @@
           <a:lstStyle/>
           <a:p>
             <a:r>
-              <a:rPr lang="en-US" sz="800" i="1" dirty="0" smtClean="0"/>
+              <a:rPr lang="en-US" sz="800" i="1" dirty="0"/>
               <a:t>Image Borrowed from Nicholas </a:t>
             </a:r>
             <a:r>
-              <a:rPr lang="en-US" sz="800" i="1" dirty="0" err="1" smtClean="0"/>
+              <a:rPr lang="en-US" sz="800" i="1" dirty="0" err="1"/>
               <a:t>Matsakis</a:t>
             </a:r>
             <a:endParaRPr lang="en-US" sz="800" i="1" dirty="0"/>
@@ -3561,10 +3560,9 @@
           <a:lstStyle/>
           <a:p>
             <a:r>
-              <a:rPr lang="en-US" dirty="0" smtClean="0"/>
+              <a:rPr lang="en-US" dirty="0"/>
               <a:t>Test suite</a:t>
             </a:r>
-            <a:endParaRPr lang="en-US" dirty="0"/>
           </a:p>
         </p:txBody>
       </p:sp>
@@ -3584,8 +3582,17 @@
           <a:lstStyle/>
           <a:p>
             <a:r>
-              <a:rPr lang="en-US" dirty="0" smtClean="0"/>
+              <a:rPr lang="en-US" dirty="0"/>
               <a:t>Demo</a:t>
+            </a:r>
+          </a:p>
+          <a:p>
+            <a:pPr marL="457200" lvl="1" indent="0">
+              <a:buNone/>
+            </a:pPr>
+            <a:r>
+              <a:rPr lang="en-US" dirty="0"/>
+              <a:t>https://github.com/sherry-ummen/RustMeetup/blob/master/Meetup03022017/demo1/src/main.rs#L92</a:t>
             </a:r>
             <a:endParaRPr lang="en-US" dirty="0"/>
           </a:p>
@@ -3643,10 +3650,9 @@
           <a:p>
             <a:pPr algn="ctr"/>
             <a:r>
-              <a:rPr lang="en-US" dirty="0" smtClean="0"/>
+              <a:rPr lang="en-US" dirty="0"/>
               <a:t>That’s all folks</a:t>
             </a:r>
-            <a:endParaRPr lang="en-US" dirty="0"/>
           </a:p>
         </p:txBody>
       </p:sp>
@@ -3674,10 +3680,9 @@
               <a:buNone/>
             </a:pPr>
             <a:r>
-              <a:rPr lang="en-US" dirty="0" smtClean="0"/>
+              <a:rPr lang="en-US" dirty="0"/>
               <a:t>Thank you</a:t>
             </a:r>
-            <a:endParaRPr lang="en-US" dirty="0"/>
           </a:p>
         </p:txBody>
       </p:sp>
@@ -3840,27 +3845,15 @@
           </a:p>
           <a:p>
             <a:r>
-              <a:rPr lang="en-US" dirty="0" smtClean="0">
-                <a:sym typeface="Wingdings" panose="05000000000000000000" pitchFamily="2" charset="2"/>
-              </a:rPr>
-              <a:t>And its </a:t>
-            </a:r>
-            <a:r>
               <a:rPr lang="en-US" dirty="0">
                 <a:sym typeface="Wingdings" panose="05000000000000000000" pitchFamily="2" charset="2"/>
               </a:rPr>
-              <a:t>not about saying that Rust is the best programming language</a:t>
-            </a:r>
-            <a:r>
-              <a:rPr lang="en-US" dirty="0" smtClean="0">
-                <a:sym typeface="Wingdings" panose="05000000000000000000" pitchFamily="2" charset="2"/>
-              </a:rPr>
-              <a:t>.</a:t>
-            </a:r>
-          </a:p>
-          <a:p>
-            <a:r>
-              <a:rPr lang="en-US" dirty="0" smtClean="0">
+              <a:t>And its not about saying that Rust is the best programming language.</a:t>
+            </a:r>
+          </a:p>
+          <a:p>
+            <a:r>
+              <a:rPr lang="en-US" dirty="0">
                 <a:sym typeface="Wingdings" panose="05000000000000000000" pitchFamily="2" charset="2"/>
               </a:rPr>
               <a:t>I am not a native code programmer.</a:t>
@@ -4397,8 +4390,17 @@
           <a:lstStyle/>
           <a:p>
             <a:r>
-              <a:rPr lang="en-US" dirty="0" smtClean="0"/>
+              <a:rPr lang="en-US" dirty="0"/>
               <a:t>DEMO</a:t>
+            </a:r>
+          </a:p>
+          <a:p>
+            <a:pPr marL="457200" lvl="1" indent="0">
+              <a:buNone/>
+            </a:pPr>
+            <a:r>
+              <a:rPr lang="en-US" dirty="0"/>
+              <a:t>https://github.com/sherry-ummen/RustMeetup/blob/master/Meetup03022017/demo1/src/main.rs</a:t>
             </a:r>
             <a:endParaRPr lang="en-US" dirty="0"/>
           </a:p>
@@ -4450,10 +4452,9 @@
           <a:lstStyle/>
           <a:p>
             <a:r>
-              <a:rPr lang="en-US" dirty="0" smtClean="0"/>
+              <a:rPr lang="en-US" dirty="0"/>
               <a:t>Ownership and Borrowing</a:t>
             </a:r>
-            <a:endParaRPr lang="en-US" dirty="0"/>
           </a:p>
         </p:txBody>
       </p:sp>
@@ -4504,11 +4505,11 @@
           <a:lstStyle/>
           <a:p>
             <a:r>
-              <a:rPr lang="en-US" sz="800" i="1" dirty="0" smtClean="0"/>
+              <a:rPr lang="en-US" sz="800" i="1" dirty="0"/>
               <a:t>Image Borrowed from Nicholas </a:t>
             </a:r>
             <a:r>
-              <a:rPr lang="en-US" sz="800" i="1" dirty="0" err="1" smtClean="0"/>
+              <a:rPr lang="en-US" sz="800" i="1" dirty="0" err="1"/>
               <a:t>Matsakis</a:t>
             </a:r>
             <a:endParaRPr lang="en-US" sz="800" i="1" dirty="0"/>
